--- a/Liceo Scientifico 4/Inglese Liceo/Homework/Golden Gate Bridge/Golden gate bridge.pptx
+++ b/Liceo Scientifico 4/Inglese Liceo/Homework/Golden Gate Bridge/Golden gate bridge.pptx
@@ -126,6 +126,14 @@
       </a:defRPr>
     </a:lvl9pPr>
   </p:defaultTextStyle>
+  <p:extLst>
+    <p:ext uri="{EFAFB233-063F-42B5-8137-9DF3F51BA10A}">
+      <p15:sldGuideLst xmlns:p15="http://schemas.microsoft.com/office/powerpoint/2012/main"/>
+    </p:ext>
+    <p:ext uri="{2D200454-40CA-4A62-9FC3-DE9A4176ACB9}">
+      <p15:notesGuideLst xmlns:p15="http://schemas.microsoft.com/office/powerpoint/2012/main"/>
+    </p:ext>
+  </p:extLst>
 </p:presentation>
 </file>
 
@@ -223,7 +231,7 @@
           <a:p>
             <a:fld id="{AE1B6944-B238-4EE0-9467-467E9190F3B5}" type="datetimeFigureOut">
               <a:rPr lang="en-US" smtClean="0"/>
-              <a:t>2/25/2019</a:t>
+              <a:t>3/6/2019</a:t>
             </a:fld>
             <a:endParaRPr lang="en-US" dirty="0"/>
           </a:p>
@@ -400,7 +408,7 @@
           <a:p>
             <a:fld id="{7F9DC1AA-D430-4936-B8D7-800AD577755E}" type="datetimeFigureOut">
               <a:rPr lang="en-US" smtClean="0"/>
-              <a:t>2/25/2019</a:t>
+              <a:t>3/6/2019</a:t>
             </a:fld>
             <a:endParaRPr lang="en-US" dirty="0"/>
           </a:p>
@@ -3327,7 +3335,7 @@
           <a:p>
             <a:fld id="{83284890-85D2-4D7B-8EF5-15A9C1DB8F42}" type="datetimeFigureOut">
               <a:rPr lang="en-US" dirty="0"/>
-              <a:t>2/25/2019</a:t>
+              <a:t>3/6/2019</a:t>
             </a:fld>
             <a:endParaRPr lang="en-US" dirty="0"/>
           </a:p>
@@ -3390,6 +3398,18 @@
   <p:clrMapOvr>
     <a:masterClrMapping/>
   </p:clrMapOvr>
+  <mc:AlternateContent xmlns:mc="http://schemas.openxmlformats.org/markup-compatibility/2006" xmlns:p14="http://schemas.microsoft.com/office/powerpoint/2010/main">
+    <mc:Choice Requires="p14">
+      <p:transition spd="slow" p14:dur="3400">
+        <p14:reveal/>
+      </p:transition>
+    </mc:Choice>
+    <mc:Fallback xmlns="">
+      <p:transition spd="slow">
+        <p:fade/>
+      </p:transition>
+    </mc:Fallback>
+  </mc:AlternateContent>
 </p:sldLayout>
 </file>
 
@@ -3502,7 +3522,7 @@
           <a:p>
             <a:fld id="{87157CC2-0FC8-4686-B024-99790E0F5162}" type="datetimeFigureOut">
               <a:rPr lang="en-US" dirty="0"/>
-              <a:t>2/25/2019</a:t>
+              <a:t>3/6/2019</a:t>
             </a:fld>
             <a:endParaRPr lang="en-US" dirty="0"/>
           </a:p>
@@ -3555,6 +3575,18 @@
   <p:clrMapOvr>
     <a:masterClrMapping/>
   </p:clrMapOvr>
+  <mc:AlternateContent xmlns:mc="http://schemas.openxmlformats.org/markup-compatibility/2006" xmlns:p14="http://schemas.microsoft.com/office/powerpoint/2010/main">
+    <mc:Choice Requires="p14">
+      <p:transition spd="slow" p14:dur="3400">
+        <p14:reveal/>
+      </p:transition>
+    </mc:Choice>
+    <mc:Fallback xmlns="">
+      <p:transition spd="slow">
+        <p:fade/>
+      </p:transition>
+    </mc:Fallback>
+  </mc:AlternateContent>
 </p:sldLayout>
 </file>
 
@@ -3677,7 +3709,7 @@
           <a:p>
             <a:fld id="{F6764DA5-CD3D-4590-A511-FCD3BC7A793E}" type="datetimeFigureOut">
               <a:rPr lang="en-US" dirty="0"/>
-              <a:t>2/25/2019</a:t>
+              <a:t>3/6/2019</a:t>
             </a:fld>
             <a:endParaRPr lang="en-US" dirty="0"/>
           </a:p>
@@ -3730,6 +3762,18 @@
   <p:clrMapOvr>
     <a:masterClrMapping/>
   </p:clrMapOvr>
+  <mc:AlternateContent xmlns:mc="http://schemas.openxmlformats.org/markup-compatibility/2006" xmlns:p14="http://schemas.microsoft.com/office/powerpoint/2010/main">
+    <mc:Choice Requires="p14">
+      <p:transition spd="slow" p14:dur="3400">
+        <p14:reveal/>
+      </p:transition>
+    </mc:Choice>
+    <mc:Fallback xmlns="">
+      <p:transition spd="slow">
+        <p:fade/>
+      </p:transition>
+    </mc:Fallback>
+  </mc:AlternateContent>
 </p:sldLayout>
 </file>
 
@@ -3842,7 +3886,7 @@
           <a:p>
             <a:fld id="{82F5661D-6934-4B32-B92C-470368BF1EC6}" type="datetimeFigureOut">
               <a:rPr lang="en-US" dirty="0"/>
-              <a:t>2/25/2019</a:t>
+              <a:t>3/6/2019</a:t>
             </a:fld>
             <a:endParaRPr lang="en-US" dirty="0"/>
           </a:p>
@@ -3895,6 +3939,18 @@
   <p:clrMapOvr>
     <a:masterClrMapping/>
   </p:clrMapOvr>
+  <mc:AlternateContent xmlns:mc="http://schemas.openxmlformats.org/markup-compatibility/2006" xmlns:p14="http://schemas.microsoft.com/office/powerpoint/2010/main">
+    <mc:Choice Requires="p14">
+      <p:transition spd="slow" p14:dur="3400">
+        <p14:reveal/>
+      </p:transition>
+    </mc:Choice>
+    <mc:Fallback xmlns="">
+      <p:transition spd="slow">
+        <p:fade/>
+      </p:transition>
+    </mc:Fallback>
+  </mc:AlternateContent>
 </p:sldLayout>
 </file>
 
@@ -4150,7 +4206,7 @@
           <a:p>
             <a:fld id="{C6F822A4-8DA6-4447-9B1F-C5DB58435268}" type="datetimeFigureOut">
               <a:rPr lang="en-US" dirty="0"/>
-              <a:t>2/25/2019</a:t>
+              <a:t>3/6/2019</a:t>
             </a:fld>
             <a:endParaRPr lang="en-US" dirty="0"/>
           </a:p>
@@ -4302,6 +4358,18 @@
   <p:clrMapOvr>
     <a:masterClrMapping/>
   </p:clrMapOvr>
+  <mc:AlternateContent xmlns:mc="http://schemas.openxmlformats.org/markup-compatibility/2006" xmlns:p14="http://schemas.microsoft.com/office/powerpoint/2010/main">
+    <mc:Choice Requires="p14">
+      <p:transition spd="slow" p14:dur="3400">
+        <p14:reveal/>
+      </p:transition>
+    </mc:Choice>
+    <mc:Fallback xmlns="">
+      <p:transition spd="slow">
+        <p:fade/>
+      </p:transition>
+    </mc:Fallback>
+  </mc:AlternateContent>
 </p:sldLayout>
 </file>
 
@@ -4532,7 +4600,7 @@
           <a:p>
             <a:fld id="{E548D31E-DCDA-41A7-9C67-C4B11B94D21D}" type="datetimeFigureOut">
               <a:rPr lang="en-US" dirty="0"/>
-              <a:t>2/25/2019</a:t>
+              <a:t>3/6/2019</a:t>
             </a:fld>
             <a:endParaRPr lang="en-US" dirty="0"/>
           </a:p>
@@ -4585,6 +4653,18 @@
   <p:clrMapOvr>
     <a:masterClrMapping/>
   </p:clrMapOvr>
+  <mc:AlternateContent xmlns:mc="http://schemas.openxmlformats.org/markup-compatibility/2006" xmlns:p14="http://schemas.microsoft.com/office/powerpoint/2010/main">
+    <mc:Choice Requires="p14">
+      <p:transition spd="slow" p14:dur="3400">
+        <p14:reveal/>
+      </p:transition>
+    </mc:Choice>
+    <mc:Fallback xmlns="">
+      <p:transition spd="slow">
+        <p:fade/>
+      </p:transition>
+    </mc:Fallback>
+  </mc:AlternateContent>
 </p:sldLayout>
 </file>
 
@@ -4961,7 +5041,7 @@
           <a:p>
             <a:fld id="{9B3762C0-B258-48F1-ADE6-176B4174CCDD}" type="datetimeFigureOut">
               <a:rPr lang="en-US" dirty="0"/>
-              <a:t>2/25/2019</a:t>
+              <a:t>3/6/2019</a:t>
             </a:fld>
             <a:endParaRPr lang="en-US" dirty="0"/>
           </a:p>
@@ -5014,6 +5094,18 @@
   <p:clrMapOvr>
     <a:masterClrMapping/>
   </p:clrMapOvr>
+  <mc:AlternateContent xmlns:mc="http://schemas.openxmlformats.org/markup-compatibility/2006" xmlns:p14="http://schemas.microsoft.com/office/powerpoint/2010/main">
+    <mc:Choice Requires="p14">
+      <p:transition spd="slow" p14:dur="3400">
+        <p14:reveal/>
+      </p:transition>
+    </mc:Choice>
+    <mc:Fallback xmlns="">
+      <p:transition spd="slow">
+        <p:fade/>
+      </p:transition>
+    </mc:Fallback>
+  </mc:AlternateContent>
 </p:sldLayout>
 </file>
 
@@ -5074,7 +5166,7 @@
           <a:p>
             <a:fld id="{677919A6-33EB-49BD-A62F-1FA56B9F9712}" type="datetimeFigureOut">
               <a:rPr lang="en-US" dirty="0"/>
-              <a:t>2/25/2019</a:t>
+              <a:t>3/6/2019</a:t>
             </a:fld>
             <a:endParaRPr lang="en-US" dirty="0"/>
           </a:p>
@@ -5127,6 +5219,18 @@
   <p:clrMapOvr>
     <a:masterClrMapping/>
   </p:clrMapOvr>
+  <mc:AlternateContent xmlns:mc="http://schemas.openxmlformats.org/markup-compatibility/2006" xmlns:p14="http://schemas.microsoft.com/office/powerpoint/2010/main">
+    <mc:Choice Requires="p14">
+      <p:transition spd="slow" p14:dur="3400">
+        <p14:reveal/>
+      </p:transition>
+    </mc:Choice>
+    <mc:Fallback xmlns="">
+      <p:transition spd="slow">
+        <p:fade/>
+      </p:transition>
+    </mc:Fallback>
+  </mc:AlternateContent>
 </p:sldLayout>
 </file>
 
@@ -5164,7 +5268,7 @@
           <a:p>
             <a:fld id="{CA4E7D1B-D673-4CF6-8672-009D42ABD2A0}" type="datetimeFigureOut">
               <a:rPr lang="en-US" dirty="0"/>
-              <a:t>2/25/2019</a:t>
+              <a:t>3/6/2019</a:t>
             </a:fld>
             <a:endParaRPr lang="en-US" dirty="0"/>
           </a:p>
@@ -5217,6 +5321,18 @@
   <p:clrMapOvr>
     <a:masterClrMapping/>
   </p:clrMapOvr>
+  <mc:AlternateContent xmlns:mc="http://schemas.openxmlformats.org/markup-compatibility/2006" xmlns:p14="http://schemas.microsoft.com/office/powerpoint/2010/main">
+    <mc:Choice Requires="p14">
+      <p:transition spd="slow" p14:dur="3400">
+        <p14:reveal/>
+      </p:transition>
+    </mc:Choice>
+    <mc:Fallback xmlns="">
+      <p:transition spd="slow">
+        <p:fade/>
+      </p:transition>
+    </mc:Fallback>
+  </mc:AlternateContent>
 </p:sldLayout>
 </file>
 
@@ -5509,7 +5625,7 @@
           <a:p>
             <a:fld id="{DA16AA21-1863-4931-97CB-99D0A168701B}" type="datetimeFigureOut">
               <a:rPr lang="en-US" dirty="0"/>
-              <a:t>2/25/2019</a:t>
+              <a:t>3/6/2019</a:t>
             </a:fld>
             <a:endParaRPr lang="en-US" dirty="0"/>
           </a:p>
@@ -5651,6 +5767,18 @@
   <p:clrMapOvr>
     <a:masterClrMapping/>
   </p:clrMapOvr>
+  <mc:AlternateContent xmlns:mc="http://schemas.openxmlformats.org/markup-compatibility/2006" xmlns:p14="http://schemas.microsoft.com/office/powerpoint/2010/main">
+    <mc:Choice Requires="p14">
+      <p:transition spd="slow" p14:dur="3400">
+        <p14:reveal/>
+      </p:transition>
+    </mc:Choice>
+    <mc:Fallback xmlns="">
+      <p:transition spd="slow">
+        <p:fade/>
+      </p:transition>
+    </mc:Fallback>
+  </mc:AlternateContent>
 </p:sldLayout>
 </file>
 
@@ -5928,7 +6056,7 @@
           <a:p>
             <a:fld id="{3772C379-9A7C-4C87-A116-CBE9F58B04C5}" type="datetimeFigureOut">
               <a:rPr lang="en-US" dirty="0"/>
-              <a:t>2/25/2019</a:t>
+              <a:t>3/6/2019</a:t>
             </a:fld>
             <a:endParaRPr lang="en-US" dirty="0"/>
           </a:p>
@@ -6051,6 +6179,18 @@
   <p:clrMapOvr>
     <a:masterClrMapping/>
   </p:clrMapOvr>
+  <mc:AlternateContent xmlns:mc="http://schemas.openxmlformats.org/markup-compatibility/2006" xmlns:p14="http://schemas.microsoft.com/office/powerpoint/2010/main">
+    <mc:Choice Requires="p14">
+      <p:transition spd="slow" p14:dur="3400">
+        <p14:reveal/>
+      </p:transition>
+    </mc:Choice>
+    <mc:Fallback xmlns="">
+      <p:transition spd="slow">
+        <p:fade/>
+      </p:transition>
+    </mc:Fallback>
+  </mc:AlternateContent>
 </p:sldLayout>
 </file>
 
@@ -6204,7 +6344,7 @@
           <a:p>
             <a:fld id="{8664C608-40B1-4030-A28D-5B74BC98ADCE}" type="datetimeFigureOut">
               <a:rPr lang="en-US" dirty="0"/>
-              <a:t>2/25/2019</a:t>
+              <a:t>3/6/2019</a:t>
             </a:fld>
             <a:endParaRPr lang="en-US" dirty="0"/>
           </a:p>
@@ -6391,6 +6531,18 @@
     <p:sldLayoutId id="2147483850" r:id="rId10"/>
     <p:sldLayoutId id="2147483851" r:id="rId11"/>
   </p:sldLayoutIdLst>
+  <mc:AlternateContent xmlns:mc="http://schemas.openxmlformats.org/markup-compatibility/2006" xmlns:p14="http://schemas.microsoft.com/office/powerpoint/2010/main">
+    <mc:Choice Requires="p14">
+      <p:transition spd="slow" p14:dur="3400">
+        <p14:reveal/>
+      </p:transition>
+    </mc:Choice>
+    <mc:Fallback xmlns="">
+      <p:transition spd="slow">
+        <p:fade/>
+      </p:transition>
+    </mc:Fallback>
+  </mc:AlternateContent>
   <p:hf sldNum="0" hdr="0" ftr="0" dt="0"/>
   <p:txStyles>
     <p:titleStyle>
@@ -6843,6 +6995,18 @@
   <p:clrMapOvr>
     <a:masterClrMapping/>
   </p:clrMapOvr>
+  <mc:AlternateContent xmlns:mc="http://schemas.openxmlformats.org/markup-compatibility/2006" xmlns:p14="http://schemas.microsoft.com/office/powerpoint/2010/main">
+    <mc:Choice Requires="p14">
+      <p:transition spd="slow" p14:dur="3400">
+        <p14:reveal/>
+      </p:transition>
+    </mc:Choice>
+    <mc:Fallback xmlns="">
+      <p:transition spd="slow">
+        <p:fade/>
+      </p:transition>
+    </mc:Fallback>
+  </mc:AlternateContent>
 </p:sld>
 </file>
 
@@ -6993,6 +7157,18 @@
   <p:clrMapOvr>
     <a:masterClrMapping/>
   </p:clrMapOvr>
+  <mc:AlternateContent xmlns:mc="http://schemas.openxmlformats.org/markup-compatibility/2006" xmlns:p14="http://schemas.microsoft.com/office/powerpoint/2010/main">
+    <mc:Choice Requires="p14">
+      <p:transition spd="slow" p14:dur="3400">
+        <p14:reveal/>
+      </p:transition>
+    </mc:Choice>
+    <mc:Fallback xmlns="">
+      <p:transition spd="slow">
+        <p:fade/>
+      </p:transition>
+    </mc:Fallback>
+  </mc:AlternateContent>
 </p:sld>
 </file>
 
@@ -7154,6 +7330,18 @@
   <p:clrMapOvr>
     <a:masterClrMapping/>
   </p:clrMapOvr>
+  <mc:AlternateContent xmlns:mc="http://schemas.openxmlformats.org/markup-compatibility/2006" xmlns:p14="http://schemas.microsoft.com/office/powerpoint/2010/main">
+    <mc:Choice Requires="p14">
+      <p:transition spd="slow" p14:dur="3400">
+        <p14:reveal/>
+      </p:transition>
+    </mc:Choice>
+    <mc:Fallback xmlns="">
+      <p:transition spd="slow">
+        <p:fade/>
+      </p:transition>
+    </mc:Fallback>
+  </mc:AlternateContent>
 </p:sld>
 </file>
 
@@ -7307,6 +7495,18 @@
   <p:clrMapOvr>
     <a:masterClrMapping/>
   </p:clrMapOvr>
+  <mc:AlternateContent xmlns:mc="http://schemas.openxmlformats.org/markup-compatibility/2006" xmlns:p14="http://schemas.microsoft.com/office/powerpoint/2010/main">
+    <mc:Choice Requires="p14">
+      <p:transition spd="slow" p14:dur="3400">
+        <p14:reveal/>
+      </p:transition>
+    </mc:Choice>
+    <mc:Fallback xmlns="">
+      <p:transition spd="slow">
+        <p:fade/>
+      </p:transition>
+    </mc:Fallback>
+  </mc:AlternateContent>
 </p:sld>
 </file>
 
@@ -7474,6 +7674,18 @@
   <p:clrMapOvr>
     <a:masterClrMapping/>
   </p:clrMapOvr>
+  <mc:AlternateContent xmlns:mc="http://schemas.openxmlformats.org/markup-compatibility/2006" xmlns:p14="http://schemas.microsoft.com/office/powerpoint/2010/main">
+    <mc:Choice Requires="p14">
+      <p:transition spd="slow" p14:dur="3400">
+        <p14:reveal/>
+      </p:transition>
+    </mc:Choice>
+    <mc:Fallback xmlns="">
+      <p:transition spd="slow">
+        <p:fade/>
+      </p:transition>
+    </mc:Fallback>
+  </mc:AlternateContent>
 </p:sld>
 </file>
 
@@ -7616,6 +7828,18 @@
   <p:clrMapOvr>
     <a:masterClrMapping/>
   </p:clrMapOvr>
+  <mc:AlternateContent xmlns:mc="http://schemas.openxmlformats.org/markup-compatibility/2006" xmlns:p14="http://schemas.microsoft.com/office/powerpoint/2010/main">
+    <mc:Choice Requires="p14">
+      <p:transition spd="slow" p14:dur="3400">
+        <p14:reveal/>
+      </p:transition>
+    </mc:Choice>
+    <mc:Fallback xmlns="">
+      <p:transition spd="slow">
+        <p:fade/>
+      </p:transition>
+    </mc:Fallback>
+  </mc:AlternateContent>
 </p:sld>
 </file>
 
@@ -7769,6 +7993,18 @@
   <p:clrMapOvr>
     <a:masterClrMapping/>
   </p:clrMapOvr>
+  <mc:AlternateContent xmlns:mc="http://schemas.openxmlformats.org/markup-compatibility/2006" xmlns:p14="http://schemas.microsoft.com/office/powerpoint/2010/main">
+    <mc:Choice Requires="p14">
+      <p:transition spd="slow" p14:dur="3400">
+        <p14:reveal/>
+      </p:transition>
+    </mc:Choice>
+    <mc:Fallback xmlns="">
+      <p:transition spd="slow">
+        <p:fade/>
+      </p:transition>
+    </mc:Fallback>
+  </mc:AlternateContent>
 </p:sld>
 </file>
 
@@ -7883,6 +8119,18 @@
   <p:clrMapOvr>
     <a:masterClrMapping/>
   </p:clrMapOvr>
+  <mc:AlternateContent xmlns:mc="http://schemas.openxmlformats.org/markup-compatibility/2006" xmlns:p14="http://schemas.microsoft.com/office/powerpoint/2010/main">
+    <mc:Choice Requires="p14">
+      <p:transition spd="slow" p14:dur="3400">
+        <p14:reveal/>
+      </p:transition>
+    </mc:Choice>
+    <mc:Fallback xmlns="">
+      <p:transition spd="slow">
+        <p:fade/>
+      </p:transition>
+    </mc:Fallback>
+  </mc:AlternateContent>
 </p:sld>
 </file>
 
@@ -7990,6 +8238,18 @@
   <p:clrMapOvr>
     <a:masterClrMapping/>
   </p:clrMapOvr>
+  <mc:AlternateContent xmlns:mc="http://schemas.openxmlformats.org/markup-compatibility/2006" xmlns:p14="http://schemas.microsoft.com/office/powerpoint/2010/main">
+    <mc:Choice Requires="p14">
+      <p:transition spd="slow" p14:dur="3400">
+        <p14:reveal/>
+      </p:transition>
+    </mc:Choice>
+    <mc:Fallback xmlns="">
+      <p:transition spd="slow">
+        <p:fade/>
+      </p:transition>
+    </mc:Fallback>
+  </mc:AlternateContent>
 </p:sld>
 </file>
 
@@ -8155,6 +8415,18 @@
   <p:clrMapOvr>
     <a:masterClrMapping/>
   </p:clrMapOvr>
+  <mc:AlternateContent xmlns:mc="http://schemas.openxmlformats.org/markup-compatibility/2006" xmlns:p14="http://schemas.microsoft.com/office/powerpoint/2010/main">
+    <mc:Choice Requires="p14">
+      <p:transition spd="slow" p14:dur="3400">
+        <p14:reveal/>
+      </p:transition>
+    </mc:Choice>
+    <mc:Fallback xmlns="">
+      <p:transition spd="slow">
+        <p:fade/>
+      </p:transition>
+    </mc:Fallback>
+  </mc:AlternateContent>
 </p:sld>
 </file>
 
@@ -8241,6 +8513,18 @@
   <p:clrMapOvr>
     <a:masterClrMapping/>
   </p:clrMapOvr>
+  <mc:AlternateContent xmlns:mc="http://schemas.openxmlformats.org/markup-compatibility/2006" xmlns:p14="http://schemas.microsoft.com/office/powerpoint/2010/main">
+    <mc:Choice Requires="p14">
+      <p:transition spd="slow" p14:dur="3400">
+        <p14:reveal/>
+      </p:transition>
+    </mc:Choice>
+    <mc:Fallback xmlns="">
+      <p:transition spd="slow">
+        <p:fade/>
+      </p:transition>
+    </mc:Fallback>
+  </mc:AlternateContent>
 </p:sld>
 </file>
 
@@ -8392,6 +8676,18 @@
   <p:clrMapOvr>
     <a:masterClrMapping/>
   </p:clrMapOvr>
+  <mc:AlternateContent xmlns:mc="http://schemas.openxmlformats.org/markup-compatibility/2006" xmlns:p14="http://schemas.microsoft.com/office/powerpoint/2010/main">
+    <mc:Choice Requires="p14">
+      <p:transition spd="slow" p14:dur="3400">
+        <p14:reveal/>
+      </p:transition>
+    </mc:Choice>
+    <mc:Fallback xmlns="">
+      <p:transition spd="slow">
+        <p:fade/>
+      </p:transition>
+    </mc:Fallback>
+  </mc:AlternateContent>
 </p:sld>
 </file>
 
@@ -8556,6 +8852,18 @@
   <p:clrMapOvr>
     <a:masterClrMapping/>
   </p:clrMapOvr>
+  <mc:AlternateContent xmlns:mc="http://schemas.openxmlformats.org/markup-compatibility/2006" xmlns:p14="http://schemas.microsoft.com/office/powerpoint/2010/main">
+    <mc:Choice Requires="p14">
+      <p:transition spd="slow" p14:dur="3400">
+        <p14:reveal/>
+      </p:transition>
+    </mc:Choice>
+    <mc:Fallback xmlns="">
+      <p:transition spd="slow">
+        <p:fade/>
+      </p:transition>
+    </mc:Fallback>
+  </mc:AlternateContent>
 </p:sld>
 </file>
 
@@ -8632,7 +8940,7 @@
             </a:pPr>
             <a:r>
               <a:rPr lang="en-US" dirty="0"/>
-              <a:t>Herbert Deakyne held the second earing for the bridge</a:t>
+              <a:t>Herbert Deakyne held the second hearing for the bridge</a:t>
             </a:r>
           </a:p>
           <a:p>
@@ -8698,6 +9006,18 @@
   <p:clrMapOvr>
     <a:masterClrMapping/>
   </p:clrMapOvr>
+  <mc:AlternateContent xmlns:mc="http://schemas.openxmlformats.org/markup-compatibility/2006" xmlns:p14="http://schemas.microsoft.com/office/powerpoint/2010/main">
+    <mc:Choice Requires="p14">
+      <p:transition spd="slow" p14:dur="3400">
+        <p14:reveal/>
+      </p:transition>
+    </mc:Choice>
+    <mc:Fallback xmlns="">
+      <p:transition spd="slow">
+        <p:fade/>
+      </p:transition>
+    </mc:Fallback>
+  </mc:AlternateContent>
 </p:sld>
 </file>
 
@@ -8859,6 +9179,18 @@
   <p:clrMapOvr>
     <a:masterClrMapping/>
   </p:clrMapOvr>
+  <mc:AlternateContent xmlns:mc="http://schemas.openxmlformats.org/markup-compatibility/2006" xmlns:p14="http://schemas.microsoft.com/office/powerpoint/2010/main">
+    <mc:Choice Requires="p14">
+      <p:transition spd="slow" p14:dur="3400">
+        <p14:reveal/>
+      </p:transition>
+    </mc:Choice>
+    <mc:Fallback xmlns="">
+      <p:transition spd="slow">
+        <p:fade/>
+      </p:transition>
+    </mc:Fallback>
+  </mc:AlternateContent>
 </p:sld>
 </file>
 
@@ -8970,6 +9302,18 @@
   <p:clrMapOvr>
     <a:masterClrMapping/>
   </p:clrMapOvr>
+  <mc:AlternateContent xmlns:mc="http://schemas.openxmlformats.org/markup-compatibility/2006" xmlns:p14="http://schemas.microsoft.com/office/powerpoint/2010/main">
+    <mc:Choice Requires="p14">
+      <p:transition spd="slow" p14:dur="3400">
+        <p14:reveal/>
+      </p:transition>
+    </mc:Choice>
+    <mc:Fallback xmlns="">
+      <p:transition spd="slow">
+        <p:fade/>
+      </p:transition>
+    </mc:Fallback>
+  </mc:AlternateContent>
 </p:sld>
 </file>
 
@@ -9056,6 +9400,18 @@
   <p:clrMapOvr>
     <a:masterClrMapping/>
   </p:clrMapOvr>
+  <mc:AlternateContent xmlns:mc="http://schemas.openxmlformats.org/markup-compatibility/2006" xmlns:p14="http://schemas.microsoft.com/office/powerpoint/2010/main">
+    <mc:Choice Requires="p14">
+      <p:transition spd="slow" p14:dur="3400">
+        <p14:reveal/>
+      </p:transition>
+    </mc:Choice>
+    <mc:Fallback xmlns="">
+      <p:transition spd="slow">
+        <p:fade/>
+      </p:transition>
+    </mc:Fallback>
+  </mc:AlternateContent>
 </p:sld>
 </file>
 
